--- a/毕业设计/附件1：软件学院本科毕业设计汇报检查PPT模版（第1次）.pptx
+++ b/毕业设计/附件1：软件学院本科毕业设计汇报检查PPT模版（第1次）.pptx
@@ -6074,21 +6074,6 @@
             </a:pPr>
             <a:r>
               <a:rPr lang="zh-CN" altLang="en-US" dirty="0"/>
-              <a:t>实习情况（如有）</a:t>
-            </a:r>
-            <a:endParaRPr lang="en-US" altLang="zh-CN" dirty="0"/>
-          </a:p>
-          <a:p>
-            <a:pPr>
-              <a:lnSpc>
-                <a:spcPct val="170000"/>
-              </a:lnSpc>
-              <a:spcBef>
-                <a:spcPct val="0"/>
-              </a:spcBef>
-            </a:pPr>
-            <a:r>
-              <a:rPr lang="zh-CN" altLang="en-US" dirty="0"/>
               <a:t>预期成果</a:t>
             </a:r>
             <a:endParaRPr lang="en-US" altLang="zh-CN" dirty="0"/>
@@ -6185,19 +6170,19 @@
             <a:pPr lvl="1"/>
             <a:r>
               <a:rPr lang="en-US" altLang="zh-CN" dirty="0"/>
-              <a:t>当代打工人</a:t>
+              <a:t>当代</a:t>
             </a:r>
             <a:r>
               <a:rPr lang="zh-CN" altLang="en-US" dirty="0"/>
-              <a:t>久坐较多的</a:t>
+              <a:t>人容易缺乏运动、加上</a:t>
             </a:r>
             <a:r>
               <a:rPr lang="en-US" altLang="zh-CN" dirty="0"/>
-              <a:t>工作日常叠加不健康的饮食习惯，导致各种慢性病日趋年轻化。亚健康状态带来健康焦虑的同时也伴随着健康意识的提升</a:t>
+              <a:t>不健康的饮食习惯，导致各种慢性病日趋年轻化。亚健康状态带来健康焦虑的同时也伴随着健康意识的提升</a:t>
             </a:r>
             <a:r>
               <a:rPr lang="zh-CN" altLang="en-US" dirty="0"/>
-              <a:t>，对健康饮食结构的需求也变得更高了</a:t>
+              <a:t>，对健康饮食结构的需求也变得更高</a:t>
             </a:r>
             <a:endParaRPr lang="en-US" altLang="zh-CN" dirty="0"/>
           </a:p>
@@ -6495,7 +6480,15 @@
           <a:p>
             <a:r>
               <a:rPr lang="en-US" altLang="zh-CN" dirty="0"/>
-              <a:t>营养分析：用户希望了解食物的营养成分，包括蛋白质、脂肪、碳水化合物、纤维、维生素和矿物质等</a:t>
+              <a:t>营养分析</a:t>
+            </a:r>
+            <a:r>
+              <a:rPr lang="zh-CN" altLang="en-US" dirty="0"/>
+              <a:t>，帮助</a:t>
+            </a:r>
+            <a:r>
+              <a:rPr lang="en-US" altLang="zh-CN" dirty="0"/>
+              <a:t>用户了解食物的营养成分，包括蛋白质、脂肪、碳水化合物、纤维、维生素和矿物质等</a:t>
             </a:r>
             <a:endParaRPr lang="en-US" altLang="zh-CN" dirty="0"/>
           </a:p>

--- a/毕业设计/附件1：软件学院本科毕业设计汇报检查PPT模版（第1次）.pptx
+++ b/毕业设计/附件1：软件学院本科毕业设计汇报检查PPT模版（第1次）.pptx
@@ -5,23 +5,25 @@
     <p:sldMasterId id="2147483648" r:id="rId1"/>
   </p:sldMasterIdLst>
   <p:notesMasterIdLst>
-    <p:notesMasterId r:id="rId9"/>
+    <p:notesMasterId r:id="rId11"/>
   </p:notesMasterIdLst>
   <p:handoutMasterIdLst>
-    <p:handoutMasterId r:id="rId10"/>
+    <p:handoutMasterId r:id="rId12"/>
   </p:handoutMasterIdLst>
   <p:sldIdLst>
     <p:sldId id="634" r:id="rId3"/>
     <p:sldId id="606" r:id="rId4"/>
     <p:sldId id="644" r:id="rId5"/>
-    <p:sldId id="642" r:id="rId6"/>
-    <p:sldId id="643" r:id="rId7"/>
-    <p:sldId id="633" r:id="rId8"/>
+    <p:sldId id="649" r:id="rId6"/>
+    <p:sldId id="642" r:id="rId7"/>
+    <p:sldId id="643" r:id="rId8"/>
+    <p:sldId id="650" r:id="rId9"/>
+    <p:sldId id="633" r:id="rId10"/>
   </p:sldIdLst>
   <p:sldSz cx="9144000" cy="6858000" type="screen4x3"/>
   <p:notesSz cx="6858000" cy="9144000"/>
   <p:custDataLst>
-    <p:tags r:id="rId14"/>
+    <p:tags r:id="rId16"/>
   </p:custDataLst>
   <p:defaultTextStyle>
     <a:defPPr>
@@ -6167,22 +6169,36 @@
             <a:endParaRPr lang="en-US" altLang="zh-CN" dirty="0"/>
           </a:p>
           <a:p>
-            <a:pPr lvl="1"/>
+            <a:pPr marL="471170" lvl="1" indent="0">
+              <a:buNone/>
+            </a:pPr>
             <a:r>
               <a:rPr lang="en-US" altLang="zh-CN" dirty="0"/>
               <a:t>当代</a:t>
             </a:r>
             <a:r>
               <a:rPr lang="zh-CN" altLang="en-US" dirty="0"/>
-              <a:t>人容易缺乏运动、加上</a:t>
+              <a:t>人容易面临一些不健康的饮食生活习惯</a:t>
             </a:r>
             <a:r>
               <a:rPr lang="en-US" altLang="zh-CN" dirty="0"/>
-              <a:t>不健康的饮食习惯，导致各种慢性病日趋年轻化。亚健康状态带来健康焦虑的同时也伴随着健康意识的提升</a:t>
+              <a:t>。</a:t>
             </a:r>
             <a:r>
               <a:rPr lang="zh-CN" altLang="en-US" dirty="0"/>
-              <a:t>，对健康饮食结构的需求也变得更高</a:t>
+              <a:t>这种情况</a:t>
+            </a:r>
+            <a:r>
+              <a:rPr lang="en-US" altLang="zh-CN" dirty="0"/>
+              <a:t>带来健康焦虑的同时也伴随着健康意识的提升</a:t>
+            </a:r>
+            <a:r>
+              <a:rPr lang="zh-CN" altLang="en-US" dirty="0"/>
+              <a:t>，让人们</a:t>
+            </a:r>
+            <a:r>
+              <a:rPr lang="zh-CN" altLang="en-US" dirty="0"/>
+              <a:t>对于健康饮食结构的需求也变得更高</a:t>
             </a:r>
             <a:endParaRPr lang="en-US" altLang="zh-CN" dirty="0"/>
           </a:p>
@@ -6191,7 +6207,7 @@
               <a:rPr lang="zh-CN" altLang="en-US" dirty="0">
                 <a:sym typeface="+mn-ea"/>
               </a:rPr>
-              <a:t>本课题，主要目标是在</a:t>
+              <a:t>基于这种情况，本课题希望开发出一个基于</a:t>
             </a:r>
             <a:r>
               <a:rPr lang="en-US" altLang="zh-CN" dirty="0">
@@ -6203,15 +6219,23 @@
               <a:rPr lang="zh-CN" altLang="en-US" dirty="0">
                 <a:sym typeface="+mn-ea"/>
               </a:rPr>
-              <a:t>环境下设计和实现饮食健康记录的</a:t>
+              <a:t>系统的移动端饮食记录应用</a:t>
             </a:r>
             <a:r>
               <a:rPr lang="zh-CN" altLang="en-US" dirty="0">
                 <a:sym typeface="+mn-ea"/>
               </a:rPr>
-              <a:t>移动端应用系统</a:t>
-            </a:r>
-            <a:endParaRPr lang="en-US" altLang="zh-CN" dirty="0"/>
+              <a:t>系统，帮助用户记录分析日常的饮食</a:t>
+            </a:r>
+            <a:r>
+              <a:rPr lang="zh-CN" altLang="en-US" dirty="0">
+                <a:sym typeface="+mn-ea"/>
+              </a:rPr>
+              <a:t>结构</a:t>
+            </a:r>
+            <a:endParaRPr lang="zh-CN" altLang="en-US" dirty="0">
+              <a:sym typeface="+mn-ea"/>
+            </a:endParaRPr>
           </a:p>
         </p:txBody>
       </p:sp>
@@ -6245,7 +6269,7 @@
       </p:grpSpPr>
       <p:sp>
         <p:nvSpPr>
-          <p:cNvPr id="19458" name="Rectangle 2"/>
+          <p:cNvPr id="18434" name="Rectangle 2"/>
           <p:cNvSpPr>
             <a:spLocks noGrp="1"/>
           </p:cNvSpPr>
@@ -6255,8 +6279,8 @@
         </p:nvSpPr>
         <p:spPr>
           <a:xfrm>
-            <a:off x="1115695" y="332423"/>
-            <a:ext cx="4464050" cy="747712"/>
+            <a:off x="1115695" y="332740"/>
+            <a:ext cx="4176385" cy="747713"/>
           </a:xfrm>
           <a:noFill/>
           <a:ln>
@@ -6269,7 +6293,7 @@
           <a:p>
             <a:r>
               <a:rPr lang="zh-CN" altLang="en-US" dirty="0"/>
-              <a:t>关键内容与技术</a:t>
+              <a:t>选题背景和总体目标</a:t>
             </a:r>
             <a:endParaRPr lang="zh-CN" altLang="en-US" dirty="0"/>
           </a:p>
@@ -6277,7 +6301,7 @@
       </p:sp>
       <p:sp>
         <p:nvSpPr>
-          <p:cNvPr id="19459" name="Rectangle 3"/>
+          <p:cNvPr id="18435" name="Rectangle 3"/>
           <p:cNvSpPr>
             <a:spLocks noGrp="1"/>
           </p:cNvSpPr>
@@ -6296,78 +6320,94 @@
           <a:lstStyle/>
           <a:p>
             <a:r>
-              <a:rPr lang="zh-CN" altLang="en-US" dirty="0"/>
-              <a:t>基于</a:t>
-            </a:r>
-            <a:r>
-              <a:rPr lang="en-US" altLang="zh-CN" dirty="0"/>
+              <a:rPr lang="zh-CN" altLang="en-US" dirty="0">
+                <a:sym typeface="+mn-ea"/>
+              </a:rPr>
+              <a:t>目标</a:t>
+            </a:r>
+            <a:endParaRPr lang="zh-CN" altLang="en-US" dirty="0">
+              <a:sym typeface="+mn-ea"/>
+            </a:endParaRPr>
+          </a:p>
+          <a:p>
+            <a:pPr lvl="1"/>
+            <a:r>
+              <a:rPr lang="zh-CN" altLang="en-US" dirty="0">
+                <a:sym typeface="+mn-ea"/>
+              </a:rPr>
+              <a:t>开发出一套可供用户交互的</a:t>
+            </a:r>
+            <a:r>
+              <a:rPr lang="en-US" altLang="zh-CN" dirty="0">
+                <a:sym typeface="+mn-ea"/>
+              </a:rPr>
               <a:t>Android</a:t>
             </a:r>
             <a:r>
-              <a:rPr lang="zh-CN" altLang="en-US" dirty="0"/>
-              <a:t>开发的应用客户</a:t>
-            </a:r>
-            <a:r>
-              <a:rPr lang="zh-CN" altLang="en-US" dirty="0"/>
-              <a:t>端</a:t>
-            </a:r>
-            <a:endParaRPr lang="zh-CN" altLang="en-US" dirty="0"/>
-          </a:p>
-          <a:p>
-            <a:r>
-              <a:rPr lang="zh-CN" altLang="en-US" dirty="0"/>
-              <a:t>借助</a:t>
-            </a:r>
-            <a:r>
-              <a:rPr lang="en-US" altLang="zh-CN" dirty="0"/>
+              <a:rPr lang="zh-CN" altLang="en-US" dirty="0">
+                <a:sym typeface="+mn-ea"/>
+              </a:rPr>
+              <a:t>应用界面系统，帮助</a:t>
+            </a:r>
+            <a:r>
+              <a:rPr lang="zh-CN" altLang="en-US" dirty="0">
+                <a:sym typeface="+mn-ea"/>
+              </a:rPr>
+              <a:t>用户记录三餐的饮食构成，提供常见的饮食种类供用户选择，并提供不同食物的营养价值成分和食用建议</a:t>
+            </a:r>
+            <a:endParaRPr lang="zh-CN" altLang="en-US" dirty="0">
+              <a:sym typeface="+mn-ea"/>
+            </a:endParaRPr>
+          </a:p>
+          <a:p>
+            <a:pPr lvl="1"/>
+            <a:r>
+              <a:rPr lang="zh-CN" altLang="en-US" dirty="0">
+                <a:sym typeface="+mn-ea"/>
+              </a:rPr>
+              <a:t>为便于用户</a:t>
+            </a:r>
+            <a:r>
+              <a:rPr lang="zh-CN" altLang="en-US" dirty="0">
+                <a:sym typeface="+mn-ea"/>
+              </a:rPr>
+              <a:t>使用，本系统可以提供拍照功能，通过</a:t>
+            </a:r>
+            <a:r>
+              <a:rPr lang="en-US" altLang="zh-CN" dirty="0">
+                <a:sym typeface="+mn-ea"/>
+              </a:rPr>
               <a:t>AI</a:t>
             </a:r>
             <a:r>
-              <a:rPr lang="zh-CN" altLang="en-US" dirty="0"/>
-              <a:t>大模型，对拍摄的食物图片进行智能分析，便利用户快速记录自己的</a:t>
-            </a:r>
-            <a:r>
-              <a:rPr lang="zh-CN" altLang="en-US" dirty="0"/>
-              <a:t>饮食结构</a:t>
-            </a:r>
-            <a:endParaRPr lang="zh-CN" altLang="en-US" dirty="0"/>
-          </a:p>
-          <a:p>
-            <a:endParaRPr lang="zh-CN" altLang="en-US" dirty="0"/>
-          </a:p>
-          <a:p>
-            <a:pPr marL="0" indent="0">
-              <a:buNone/>
-            </a:pPr>
-            <a:endParaRPr lang="en-US" altLang="zh-CN" dirty="0"/>
+              <a:rPr lang="zh-CN" altLang="en-US" dirty="0">
+                <a:sym typeface="+mn-ea"/>
+              </a:rPr>
+              <a:t>大模型的方式对照片内的食物进行分类，让用户能够</a:t>
+            </a:r>
+            <a:r>
+              <a:rPr lang="zh-CN" altLang="en-US" dirty="0">
+                <a:sym typeface="+mn-ea"/>
+              </a:rPr>
+              <a:t>快速记录</a:t>
+            </a:r>
+            <a:r>
+              <a:rPr lang="zh-CN" altLang="en-US" dirty="0">
+                <a:sym typeface="+mn-ea"/>
+              </a:rPr>
+              <a:t>食物</a:t>
+            </a:r>
+            <a:endParaRPr lang="zh-CN" altLang="en-US" dirty="0">
+              <a:sym typeface="+mn-ea"/>
+            </a:endParaRPr>
+          </a:p>
+          <a:p>
+            <a:endParaRPr lang="zh-CN" altLang="en-US" dirty="0">
+              <a:sym typeface="+mn-ea"/>
+            </a:endParaRPr>
           </a:p>
         </p:txBody>
       </p:sp>
-      <p:pic>
-        <p:nvPicPr>
-          <p:cNvPr id="2" name="图片 1"/>
-          <p:cNvPicPr>
-            <a:picLocks noChangeAspect="1"/>
-          </p:cNvPicPr>
-          <p:nvPr/>
-        </p:nvPicPr>
-        <p:blipFill>
-          <a:blip r:embed="rId1"/>
-          <a:srcRect t="2341" r="17335"/>
-          <a:stretch>
-            <a:fillRect/>
-          </a:stretch>
-        </p:blipFill>
-        <p:spPr>
-          <a:xfrm>
-            <a:off x="539115" y="2984500"/>
-            <a:ext cx="7885430" cy="3152775"/>
-          </a:xfrm>
-          <a:prstGeom prst="rect">
-            <a:avLst/>
-          </a:prstGeom>
-        </p:spPr>
-      </p:pic>
     </p:spTree>
   </p:cSld>
   <p:clrMapOvr>
@@ -6422,11 +6462,7 @@
           <a:p>
             <a:r>
               <a:rPr lang="zh-CN" altLang="en-US" dirty="0"/>
-              <a:t>预期</a:t>
-            </a:r>
-            <a:r>
-              <a:rPr lang="zh-CN" altLang="en-US" dirty="0"/>
-              <a:t>成果</a:t>
+              <a:t>关键内容与技术</a:t>
             </a:r>
             <a:endParaRPr lang="zh-CN" altLang="en-US" dirty="0"/>
           </a:p>
@@ -6453,43 +6489,218 @@
           <a:lstStyle/>
           <a:p>
             <a:r>
+              <a:rPr lang="zh-CN" altLang="en-US" dirty="0"/>
+              <a:t>基于</a:t>
+            </a:r>
+            <a:r>
               <a:rPr lang="en-US" altLang="zh-CN" dirty="0"/>
-              <a:t>AI加持分析食物热量，通过图像识别、数据集成、智能估算</a:t>
+              <a:t>Android</a:t>
             </a:r>
             <a:r>
               <a:rPr lang="zh-CN" altLang="en-US" dirty="0"/>
-              <a:t>，拍照记录代替繁琐的文字输入</a:t>
+              <a:t>开发的应用客户</a:t>
+            </a:r>
+            <a:r>
+              <a:rPr lang="zh-CN" altLang="en-US" dirty="0"/>
+              <a:t>端</a:t>
             </a:r>
             <a:endParaRPr lang="zh-CN" altLang="en-US" dirty="0"/>
           </a:p>
           <a:p>
+            <a:pPr lvl="1"/>
+            <a:r>
+              <a:rPr lang="zh-CN" altLang="en-US" dirty="0"/>
+              <a:t>在原生安卓开发框架之上，构建出一套</a:t>
+            </a:r>
+            <a:r>
+              <a:rPr lang="zh-CN" altLang="en-US" dirty="0">
+                <a:sym typeface="+mn-ea"/>
+              </a:rPr>
+              <a:t>可供用户交互</a:t>
+            </a:r>
+            <a:r>
+              <a:rPr lang="zh-CN" altLang="en-US" dirty="0">
+                <a:sym typeface="+mn-ea"/>
+              </a:rPr>
+              <a:t>使用的</a:t>
+            </a:r>
+            <a:r>
+              <a:rPr lang="en-US" altLang="zh-CN" dirty="0">
+                <a:sym typeface="+mn-ea"/>
+              </a:rPr>
+              <a:t>Android</a:t>
+            </a:r>
+            <a:r>
+              <a:rPr lang="zh-CN" altLang="en-US" dirty="0">
+                <a:sym typeface="+mn-ea"/>
+              </a:rPr>
+              <a:t>应用系统</a:t>
+            </a:r>
+            <a:endParaRPr lang="zh-CN" altLang="en-US" dirty="0"/>
+          </a:p>
+          <a:p>
+            <a:pPr marL="0" indent="0">
+              <a:buNone/>
+            </a:pPr>
+            <a:endParaRPr lang="en-US" altLang="zh-CN" dirty="0"/>
+          </a:p>
+        </p:txBody>
+      </p:sp>
+      <p:pic>
+        <p:nvPicPr>
+          <p:cNvPr id="2" name="图片 1"/>
+          <p:cNvPicPr>
+            <a:picLocks noChangeAspect="1"/>
+          </p:cNvPicPr>
+          <p:nvPr/>
+        </p:nvPicPr>
+        <p:blipFill>
+          <a:blip r:embed="rId1"/>
+          <a:srcRect t="2341" r="17335"/>
+          <a:stretch>
+            <a:fillRect/>
+          </a:stretch>
+        </p:blipFill>
+        <p:spPr>
+          <a:xfrm>
+            <a:off x="539115" y="2984500"/>
+            <a:ext cx="7885430" cy="3152775"/>
+          </a:xfrm>
+          <a:prstGeom prst="rect">
+            <a:avLst/>
+          </a:prstGeom>
+        </p:spPr>
+      </p:pic>
+    </p:spTree>
+  </p:cSld>
+  <p:clrMapOvr>
+    <a:masterClrMapping/>
+  </p:clrMapOvr>
+  <p:transition spd="med">
+    <p:zoom/>
+  </p:transition>
+</p:sld>
+</file>
+
+<file path=ppt/slides/slide6.xml><?xml version="1.0" encoding="utf-8"?>
+<p:sld xmlns:a="http://schemas.openxmlformats.org/drawingml/2006/main" xmlns:r="http://schemas.openxmlformats.org/officeDocument/2006/relationships" xmlns:p="http://schemas.openxmlformats.org/presentationml/2006/main">
+  <p:cSld>
+    <p:spTree>
+      <p:nvGrpSpPr>
+        <p:cNvPr id="1" name=""/>
+        <p:cNvGrpSpPr/>
+        <p:nvPr/>
+      </p:nvGrpSpPr>
+      <p:grpSpPr>
+        <a:xfrm>
+          <a:off x="0" y="0"/>
+          <a:ext cx="0" cy="0"/>
+          <a:chOff x="0" y="0"/>
+          <a:chExt cx="0" cy="0"/>
+        </a:xfrm>
+      </p:grpSpPr>
+      <p:sp>
+        <p:nvSpPr>
+          <p:cNvPr id="19458" name="Rectangle 2"/>
+          <p:cNvSpPr>
+            <a:spLocks noGrp="1"/>
+          </p:cNvSpPr>
+          <p:nvPr>
+            <p:ph type="title"/>
+          </p:nvPr>
+        </p:nvSpPr>
+        <p:spPr>
+          <a:xfrm>
+            <a:off x="1115695" y="332423"/>
+            <a:ext cx="4464050" cy="747712"/>
+          </a:xfrm>
+          <a:noFill/>
+          <a:ln>
+            <a:noFill/>
+          </a:ln>
+        </p:spPr>
+        <p:txBody>
+          <a:bodyPr/>
+          <a:lstStyle/>
+          <a:p>
+            <a:r>
+              <a:rPr lang="zh-CN" altLang="en-US" dirty="0">
+                <a:sym typeface="+mn-ea"/>
+              </a:rPr>
+              <a:t>关键内容与技术</a:t>
+            </a:r>
+            <a:endParaRPr lang="zh-CN" altLang="en-US" dirty="0"/>
+          </a:p>
+        </p:txBody>
+      </p:sp>
+      <p:sp>
+        <p:nvSpPr>
+          <p:cNvPr id="19459" name="Rectangle 3"/>
+          <p:cNvSpPr>
+            <a:spLocks noGrp="1"/>
+          </p:cNvSpPr>
+          <p:nvPr>
+            <p:ph idx="1"/>
+          </p:nvPr>
+        </p:nvSpPr>
+        <p:spPr>
+          <a:xfrm>
+            <a:off x="539750" y="2061845"/>
+            <a:ext cx="8207375" cy="4050030"/>
+          </a:xfrm>
+          <a:noFill/>
+          <a:ln>
+            <a:noFill/>
+          </a:ln>
+        </p:spPr>
+        <p:txBody>
+          <a:bodyPr/>
+          <a:lstStyle/>
+          <a:p>
             <a:r>
               <a:rPr lang="en-US" altLang="zh-CN" dirty="0"/>
-              <a:t>记录每日摄入和消耗的热量</a:t>
-            </a:r>
-            <a:r>
-              <a:rPr lang="zh-CN" altLang="en-US" dirty="0"/>
-              <a:t>，</a:t>
-            </a:r>
-            <a:r>
-              <a:rPr lang="en-US" altLang="zh-CN" dirty="0"/>
-              <a:t>食物种类和分量，以便分析饮食结构</a:t>
-            </a:r>
-            <a:endParaRPr lang="en-US" altLang="zh-CN" dirty="0"/>
-          </a:p>
-          <a:p>
-            <a:r>
-              <a:rPr lang="en-US" altLang="zh-CN" dirty="0"/>
-              <a:t>营养分析</a:t>
-            </a:r>
-            <a:r>
-              <a:rPr lang="zh-CN" altLang="en-US" dirty="0"/>
-              <a:t>，帮助</a:t>
-            </a:r>
-            <a:r>
-              <a:rPr lang="en-US" altLang="zh-CN" dirty="0"/>
-              <a:t>用户了解食物的营养成分，包括蛋白质、脂肪、碳水化合物、纤维、维生素和矿物质等</a:t>
-            </a:r>
+              <a:t>AI加持分析食物</a:t>
+            </a:r>
+            <a:endParaRPr lang="zh-CN" altLang="en-US" dirty="0"/>
+          </a:p>
+          <a:p>
+            <a:pPr lvl="1"/>
+            <a:r>
+              <a:rPr lang="zh-CN" altLang="en-US" dirty="0">
+                <a:sym typeface="+mn-ea"/>
+              </a:rPr>
+              <a:t>借助</a:t>
+            </a:r>
+            <a:r>
+              <a:rPr lang="en-US" altLang="zh-CN" dirty="0">
+                <a:sym typeface="+mn-ea"/>
+              </a:rPr>
+              <a:t>AI</a:t>
+            </a:r>
+            <a:r>
+              <a:rPr lang="zh-CN" altLang="en-US" dirty="0">
+                <a:sym typeface="+mn-ea"/>
+              </a:rPr>
+              <a:t>大模型，对拍摄的食物图片进行智能分析，</a:t>
+            </a:r>
+            <a:r>
+              <a:rPr lang="en-US" altLang="zh-CN" dirty="0">
+                <a:sym typeface="+mn-ea"/>
+              </a:rPr>
+              <a:t>通过图像识别、数据集成、智能估算</a:t>
+            </a:r>
+            <a:r>
+              <a:rPr lang="zh-CN" altLang="en-US" dirty="0">
+                <a:sym typeface="+mn-ea"/>
+              </a:rPr>
+              <a:t>，拍照记录代替繁琐的文字输入，便利用户快速记录自己的饮食结构</a:t>
+            </a:r>
+            <a:endParaRPr lang="zh-CN" altLang="en-US" dirty="0"/>
+          </a:p>
+          <a:p>
+            <a:pPr marL="0" indent="0">
+              <a:buNone/>
+            </a:pPr>
             <a:endParaRPr lang="en-US" altLang="zh-CN" dirty="0"/>
           </a:p>
         </p:txBody>
@@ -6505,7 +6716,196 @@
 </p:sld>
 </file>
 
-<file path=ppt/slides/slide6.xml><?xml version="1.0" encoding="utf-8"?>
+<file path=ppt/slides/slide7.xml><?xml version="1.0" encoding="utf-8"?>
+<p:sld xmlns:a="http://schemas.openxmlformats.org/drawingml/2006/main" xmlns:r="http://schemas.openxmlformats.org/officeDocument/2006/relationships" xmlns:p="http://schemas.openxmlformats.org/presentationml/2006/main">
+  <p:cSld>
+    <p:spTree>
+      <p:nvGrpSpPr>
+        <p:cNvPr id="1" name=""/>
+        <p:cNvGrpSpPr/>
+        <p:nvPr/>
+      </p:nvGrpSpPr>
+      <p:grpSpPr>
+        <a:xfrm>
+          <a:off x="0" y="0"/>
+          <a:ext cx="0" cy="0"/>
+          <a:chOff x="0" y="0"/>
+          <a:chExt cx="0" cy="0"/>
+        </a:xfrm>
+      </p:grpSpPr>
+      <p:sp>
+        <p:nvSpPr>
+          <p:cNvPr id="19458" name="Rectangle 2"/>
+          <p:cNvSpPr>
+            <a:spLocks noGrp="1"/>
+          </p:cNvSpPr>
+          <p:nvPr>
+            <p:ph type="title"/>
+          </p:nvPr>
+        </p:nvSpPr>
+        <p:spPr>
+          <a:xfrm>
+            <a:off x="1115695" y="332423"/>
+            <a:ext cx="4464050" cy="747712"/>
+          </a:xfrm>
+          <a:noFill/>
+          <a:ln>
+            <a:noFill/>
+          </a:ln>
+        </p:spPr>
+        <p:txBody>
+          <a:bodyPr/>
+          <a:lstStyle/>
+          <a:p>
+            <a:r>
+              <a:rPr lang="zh-CN" altLang="en-US" dirty="0"/>
+              <a:t>预期</a:t>
+            </a:r>
+            <a:r>
+              <a:rPr lang="zh-CN" altLang="en-US" dirty="0"/>
+              <a:t>成果</a:t>
+            </a:r>
+            <a:endParaRPr lang="zh-CN" altLang="en-US" dirty="0"/>
+          </a:p>
+        </p:txBody>
+      </p:sp>
+      <p:sp>
+        <p:nvSpPr>
+          <p:cNvPr id="19459" name="Rectangle 3"/>
+          <p:cNvSpPr>
+            <a:spLocks noGrp="1"/>
+          </p:cNvSpPr>
+          <p:nvPr>
+            <p:ph idx="1"/>
+          </p:nvPr>
+        </p:nvSpPr>
+        <p:spPr>
+          <a:xfrm>
+            <a:off x="539750" y="1416685"/>
+            <a:ext cx="8207375" cy="4695190"/>
+          </a:xfrm>
+          <a:noFill/>
+          <a:ln>
+            <a:noFill/>
+          </a:ln>
+        </p:spPr>
+        <p:txBody>
+          <a:bodyPr/>
+          <a:lstStyle/>
+          <a:p>
+            <a:r>
+              <a:rPr lang="zh-CN" altLang="en-US" dirty="0"/>
+              <a:t>实现饮食记录与</a:t>
+            </a:r>
+            <a:r>
+              <a:rPr lang="en-US" altLang="zh-CN" dirty="0">
+                <a:sym typeface="+mn-ea"/>
+              </a:rPr>
+              <a:t>营养分析</a:t>
+            </a:r>
+            <a:endParaRPr lang="en-US" altLang="zh-CN" dirty="0">
+              <a:sym typeface="+mn-ea"/>
+            </a:endParaRPr>
+          </a:p>
+          <a:p>
+            <a:pPr lvl="1"/>
+            <a:r>
+              <a:rPr lang="zh-CN" altLang="en-US" dirty="0">
+                <a:sym typeface="+mn-ea"/>
+              </a:rPr>
+              <a:t>实现</a:t>
+            </a:r>
+            <a:r>
+              <a:rPr lang="en-US" altLang="zh-CN" dirty="0">
+                <a:sym typeface="+mn-ea"/>
+              </a:rPr>
+              <a:t>AI加持分析</a:t>
+            </a:r>
+            <a:r>
+              <a:rPr lang="zh-CN" altLang="en-US" dirty="0">
+                <a:sym typeface="+mn-ea"/>
+              </a:rPr>
+              <a:t>、</a:t>
+            </a:r>
+            <a:r>
+              <a:rPr lang="en-US" altLang="zh-CN" dirty="0">
+                <a:sym typeface="+mn-ea"/>
+              </a:rPr>
+              <a:t>每日摄入</a:t>
+            </a:r>
+            <a:r>
+              <a:rPr lang="zh-CN" altLang="en-US" dirty="0">
+                <a:sym typeface="+mn-ea"/>
+              </a:rPr>
+              <a:t>记录、食物</a:t>
+            </a:r>
+            <a:r>
+              <a:rPr lang="en-US" altLang="zh-CN" dirty="0">
+                <a:sym typeface="+mn-ea"/>
+              </a:rPr>
+              <a:t>营养分析</a:t>
+            </a:r>
+            <a:r>
+              <a:rPr lang="zh-CN" altLang="en-US" dirty="0">
+                <a:sym typeface="+mn-ea"/>
+              </a:rPr>
+              <a:t>等功能</a:t>
+            </a:r>
+            <a:endParaRPr lang="zh-CN" altLang="en-US" dirty="0">
+              <a:sym typeface="+mn-ea"/>
+            </a:endParaRPr>
+          </a:p>
+          <a:p>
+            <a:pPr lvl="1"/>
+            <a:endParaRPr lang="zh-CN" altLang="en-US" dirty="0"/>
+          </a:p>
+          <a:p>
+            <a:r>
+              <a:rPr lang="zh-CN" altLang="en-US" dirty="0">
+                <a:sym typeface="+mn-ea"/>
+              </a:rPr>
+              <a:t>提供快捷有效的饮食帮助</a:t>
+            </a:r>
+            <a:endParaRPr lang="zh-CN" altLang="en-US" dirty="0">
+              <a:sym typeface="+mn-ea"/>
+            </a:endParaRPr>
+          </a:p>
+          <a:p>
+            <a:pPr lvl="1"/>
+            <a:r>
+              <a:rPr lang="zh-CN" altLang="en-US" dirty="0"/>
+              <a:t>通过</a:t>
+            </a:r>
+            <a:r>
+              <a:rPr lang="zh-CN" altLang="en-US" dirty="0">
+                <a:sym typeface="+mn-ea"/>
+              </a:rPr>
+              <a:t>上述功能，为用户提供饮食健康方面的快捷帮助，支撑用户形成健康的饮食</a:t>
+            </a:r>
+            <a:r>
+              <a:rPr lang="zh-CN" altLang="en-US" dirty="0">
+                <a:sym typeface="+mn-ea"/>
+              </a:rPr>
+              <a:t>习惯</a:t>
+            </a:r>
+            <a:endParaRPr lang="zh-CN" altLang="en-US" dirty="0">
+              <a:sym typeface="+mn-ea"/>
+            </a:endParaRPr>
+          </a:p>
+        </p:txBody>
+      </p:sp>
+    </p:spTree>
+  </p:cSld>
+  <p:clrMapOvr>
+    <a:masterClrMapping/>
+  </p:clrMapOvr>
+  <p:transition spd="med">
+    <p:zoom/>
+  </p:transition>
+</p:sld>
+</file>
+
+<file path=ppt/slides/slide8.xml><?xml version="1.0" encoding="utf-8"?>
 <p:sld xmlns:a="http://schemas.openxmlformats.org/drawingml/2006/main" xmlns:r="http://schemas.openxmlformats.org/officeDocument/2006/relationships" xmlns:p="http://schemas.openxmlformats.org/presentationml/2006/main">
   <p:cSld>
     <p:spTree>
